--- a/Project Presentation.pptx
+++ b/Project Presentation.pptx
@@ -111,6 +111,11 @@
       </a:defRPr>
     </a:lvl9pPr>
   </p:defaultTextStyle>
+  <p:extLst>
+    <p:ext uri="{EFAFB233-063F-42B5-8137-9DF3F51BA10A}">
+      <p15:sldGuideLst xmlns:p15="http://schemas.microsoft.com/office/powerpoint/2012/main"/>
+    </p:ext>
+  </p:extLst>
 </p:presentation>
 </file>
 
@@ -358,7 +363,7 @@
           <a:p>
             <a:fld id="{9184DA70-C731-4C70-880D-CCD4705E623C}" type="datetime1">
               <a:rPr lang="en-US" smtClean="0"/>
-              <a:t>2021-07-30</a:t>
+              <a:t>7/30/2021</a:t>
             </a:fld>
             <a:endParaRPr lang="en-US" dirty="0"/>
           </a:p>
@@ -546,7 +551,7 @@
           <a:p>
             <a:fld id="{B612A279-0833-481D-8C56-F67FD0AC6C50}" type="datetime1">
               <a:rPr lang="en-US" smtClean="0"/>
-              <a:t>2021-07-30</a:t>
+              <a:t>7/30/2021</a:t>
             </a:fld>
             <a:endParaRPr lang="en-US" dirty="0"/>
           </a:p>
@@ -788,7 +793,7 @@
           <a:p>
             <a:fld id="{6587DA83-5663-4C9C-B9AA-0B40A3DAFF81}" type="datetime1">
               <a:rPr lang="en-US" smtClean="0"/>
-              <a:t>2021-07-30</a:t>
+              <a:t>7/30/2021</a:t>
             </a:fld>
             <a:endParaRPr lang="en-US" dirty="0"/>
           </a:p>
@@ -976,7 +981,7 @@
           <a:p>
             <a:fld id="{4BE1D723-8F53-4F53-90B0-1982A396982E}" type="datetime1">
               <a:rPr lang="en-US" smtClean="0"/>
-              <a:t>2021-07-30</a:t>
+              <a:t>7/30/2021</a:t>
             </a:fld>
             <a:endParaRPr lang="en-US" dirty="0"/>
           </a:p>
@@ -1349,7 +1354,7 @@
           <a:p>
             <a:fld id="{97669AF7-7BEB-44E4-9852-375E34362B5B}" type="datetime1">
               <a:rPr lang="en-US" smtClean="0"/>
-              <a:t>2021-07-30</a:t>
+              <a:t>7/30/2021</a:t>
             </a:fld>
             <a:endParaRPr lang="en-US" dirty="0"/>
           </a:p>
@@ -1604,7 +1609,7 @@
           <a:p>
             <a:fld id="{BAAAC38D-0552-4C82-B593-E6124DFADBE2}" type="datetime1">
               <a:rPr lang="en-US" smtClean="0"/>
-              <a:t>2021-07-30</a:t>
+              <a:t>7/30/2021</a:t>
             </a:fld>
             <a:endParaRPr lang="en-US" dirty="0"/>
           </a:p>
@@ -2001,7 +2006,7 @@
           <a:p>
             <a:fld id="{D9DF0F1C-5577-4ACB-BB62-DF8F3C494C7E}" type="datetime1">
               <a:rPr lang="en-US" smtClean="0"/>
-              <a:t>2021-07-30</a:t>
+              <a:t>7/30/2021</a:t>
             </a:fld>
             <a:endParaRPr lang="en-US" dirty="0"/>
           </a:p>
@@ -2137,7 +2142,7 @@
           <a:p>
             <a:fld id="{1775B394-D9F9-4F0C-B15D-605F45CB9E9F}" type="datetime1">
               <a:rPr lang="en-US" smtClean="0"/>
-              <a:t>2021-07-30</a:t>
+              <a:t>7/30/2021</a:t>
             </a:fld>
             <a:endParaRPr lang="en-US" dirty="0"/>
           </a:p>
@@ -2294,7 +2299,7 @@
           <a:p>
             <a:fld id="{39667345-2558-425A-8533-9BFDBCE15005}" type="datetime1">
               <a:rPr lang="en-US" smtClean="0"/>
-              <a:t>2021-07-30</a:t>
+              <a:t>7/30/2021</a:t>
             </a:fld>
             <a:endParaRPr lang="en-US" dirty="0"/>
           </a:p>
@@ -2623,7 +2628,7 @@
           <a:p>
             <a:fld id="{92BEA474-078D-4E9B-9B14-09A87B19DC46}" type="datetime1">
               <a:rPr lang="en-US" smtClean="0"/>
-              <a:t>2021-07-30</a:t>
+              <a:t>7/30/2021</a:t>
             </a:fld>
             <a:endParaRPr lang="en-US" dirty="0"/>
           </a:p>
@@ -2973,7 +2978,7 @@
           <a:p>
             <a:fld id="{4907D986-8816-4272-A432-0437A28A9828}" type="datetime1">
               <a:rPr lang="en-US" smtClean="0"/>
-              <a:t>2021-07-30</a:t>
+              <a:t>7/30/2021</a:t>
             </a:fld>
             <a:endParaRPr lang="en-US" dirty="0"/>
           </a:p>
@@ -3234,7 +3239,7 @@
           <a:p>
             <a:fld id="{62D6E202-B606-4609-B914-27C9371A1F6D}" type="datetime1">
               <a:rPr lang="en-US" smtClean="0"/>
-              <a:t>2021-07-30</a:t>
+              <a:t>7/30/2021</a:t>
             </a:fld>
             <a:endParaRPr lang="en-US" dirty="0"/>
           </a:p>
@@ -4180,7 +4185,7 @@
           <a:p>
             <a:r>
               <a:rPr lang="en-US" dirty="0"/>
-              <a:t>Single database that can be access via multiple portals unique to different types of users, including:</a:t>
+              <a:t>Single database that can be accessed via multiple portals unique to different types of users, including:</a:t>
             </a:r>
           </a:p>
           <a:p>
@@ -4200,7 +4205,7 @@
             </a:pPr>
             <a:r>
               <a:rPr lang="en-US" dirty="0"/>
-              <a:t>Salespeople seeking information on customer’s contact information</a:t>
+              <a:t>Salespeople seeking information on customers’ contact information</a:t>
             </a:r>
           </a:p>
           <a:p>
@@ -4210,15 +4215,7 @@
             </a:pPr>
             <a:r>
               <a:rPr lang="en-US" dirty="0"/>
-              <a:t>Executives/business intelligence systems analysts seeking information </a:t>
-            </a:r>
-            <a:r>
-              <a:rPr lang="en-US" dirty="0" err="1"/>
-              <a:t>onnumber</a:t>
-            </a:r>
-            <a:r>
-              <a:rPr lang="en-US" dirty="0"/>
-              <a:t> of products sold and queries grossed</a:t>
+              <a:t>Executives/business intelligence systems analysts seeking information on number of products sold and queries grossed</a:t>
             </a:r>
           </a:p>
         </p:txBody>
@@ -5113,54 +5110,6 @@
           </a:p>
         </p:txBody>
       </p:sp>
-      <p:pic>
-        <p:nvPicPr>
-          <p:cNvPr id="2050" name="Picture 2">
-            <a:extLst>
-              <a:ext uri="{FF2B5EF4-FFF2-40B4-BE49-F238E27FC236}">
-                <a16:creationId xmlns:a16="http://schemas.microsoft.com/office/drawing/2014/main" id="{9C5E0C51-31DD-443F-B9FE-57F3F7FF143B}"/>
-              </a:ext>
-            </a:extLst>
-          </p:cNvPr>
-          <p:cNvPicPr>
-            <a:picLocks noGrp="1" noChangeAspect="1" noChangeArrowheads="1"/>
-          </p:cNvPicPr>
-          <p:nvPr>
-            <p:ph idx="1"/>
-          </p:nvPr>
-        </p:nvPicPr>
-        <p:blipFill>
-          <a:blip r:embed="rId2">
-            <a:extLst>
-              <a:ext uri="{28A0092B-C50C-407E-A947-70E740481C1C}">
-                <a14:useLocalDpi xmlns:a14="http://schemas.microsoft.com/office/drawing/2010/main" val="0"/>
-              </a:ext>
-            </a:extLst>
-          </a:blip>
-          <a:stretch>
-            <a:fillRect/>
-          </a:stretch>
-        </p:blipFill>
-        <p:spPr bwMode="auto">
-          <a:xfrm>
-            <a:off x="870899" y="640081"/>
-            <a:ext cx="6438416" cy="5054156"/>
-          </a:xfrm>
-          <a:prstGeom prst="rect">
-            <a:avLst/>
-          </a:prstGeom>
-          <a:noFill/>
-          <a:extLst>
-            <a:ext uri="{909E8E84-426E-40DD-AFC4-6F175D3DCCD1}">
-              <a14:hiddenFill xmlns:a14="http://schemas.microsoft.com/office/drawing/2010/main">
-                <a:solidFill>
-                  <a:srgbClr val="FFFFFF"/>
-                </a:solidFill>
-              </a14:hiddenFill>
-            </a:ext>
-          </a:extLst>
-        </p:spPr>
-      </p:pic>
       <p:cxnSp>
         <p:nvCxnSpPr>
           <p:cNvPr id="77" name="Straight Connector 76">
@@ -5271,6 +5220,36 @@
           </a:fontRef>
         </p:style>
       </p:sp>
+      <p:pic>
+        <p:nvPicPr>
+          <p:cNvPr id="8" name="Picture 7">
+            <a:extLst>
+              <a:ext uri="{FF2B5EF4-FFF2-40B4-BE49-F238E27FC236}">
+                <a16:creationId xmlns:a16="http://schemas.microsoft.com/office/drawing/2014/main" id="{8917D2DF-9C2F-4D38-839E-0D5CA5C383CC}"/>
+              </a:ext>
+            </a:extLst>
+          </p:cNvPr>
+          <p:cNvPicPr>
+            <a:picLocks noChangeAspect="1"/>
+          </p:cNvPicPr>
+          <p:nvPr/>
+        </p:nvPicPr>
+        <p:blipFill>
+          <a:blip r:embed="rId2"/>
+          <a:stretch>
+            <a:fillRect/>
+          </a:stretch>
+        </p:blipFill>
+        <p:spPr>
+          <a:xfrm>
+            <a:off x="1255646" y="429119"/>
+            <a:ext cx="6658904" cy="5334744"/>
+          </a:xfrm>
+          <a:prstGeom prst="rect">
+            <a:avLst/>
+          </a:prstGeom>
+        </p:spPr>
+      </p:pic>
     </p:spTree>
     <p:extLst>
       <p:ext uri="{BB962C8B-B14F-4D97-AF65-F5344CB8AC3E}">
@@ -5366,7 +5345,7 @@
             </a:pPr>
             <a:r>
               <a:rPr lang="en-US" dirty="0"/>
-              <a:t>Limited ability to track resolutions (i.e., cannot track resolutions by common cause or solution)</a:t>
+              <a:t>Limited ability to track classifications of resolutions (i.e., cannot track resolutions by common cause or type of solution)</a:t>
             </a:r>
           </a:p>
           <a:p>

--- a/Project Presentation.pptx
+++ b/Project Presentation.pptx
@@ -363,7 +363,7 @@
           <a:p>
             <a:fld id="{9184DA70-C731-4C70-880D-CCD4705E623C}" type="datetime1">
               <a:rPr lang="en-US" smtClean="0"/>
-              <a:t>7/30/2021</a:t>
+              <a:t>8/1/2021</a:t>
             </a:fld>
             <a:endParaRPr lang="en-US" dirty="0"/>
           </a:p>
@@ -551,7 +551,7 @@
           <a:p>
             <a:fld id="{B612A279-0833-481D-8C56-F67FD0AC6C50}" type="datetime1">
               <a:rPr lang="en-US" smtClean="0"/>
-              <a:t>7/30/2021</a:t>
+              <a:t>8/1/2021</a:t>
             </a:fld>
             <a:endParaRPr lang="en-US" dirty="0"/>
           </a:p>
@@ -793,7 +793,7 @@
           <a:p>
             <a:fld id="{6587DA83-5663-4C9C-B9AA-0B40A3DAFF81}" type="datetime1">
               <a:rPr lang="en-US" smtClean="0"/>
-              <a:t>7/30/2021</a:t>
+              <a:t>8/1/2021</a:t>
             </a:fld>
             <a:endParaRPr lang="en-US" dirty="0"/>
           </a:p>
@@ -981,7 +981,7 @@
           <a:p>
             <a:fld id="{4BE1D723-8F53-4F53-90B0-1982A396982E}" type="datetime1">
               <a:rPr lang="en-US" smtClean="0"/>
-              <a:t>7/30/2021</a:t>
+              <a:t>8/1/2021</a:t>
             </a:fld>
             <a:endParaRPr lang="en-US" dirty="0"/>
           </a:p>
@@ -1354,7 +1354,7 @@
           <a:p>
             <a:fld id="{97669AF7-7BEB-44E4-9852-375E34362B5B}" type="datetime1">
               <a:rPr lang="en-US" smtClean="0"/>
-              <a:t>7/30/2021</a:t>
+              <a:t>8/1/2021</a:t>
             </a:fld>
             <a:endParaRPr lang="en-US" dirty="0"/>
           </a:p>
@@ -1609,7 +1609,7 @@
           <a:p>
             <a:fld id="{BAAAC38D-0552-4C82-B593-E6124DFADBE2}" type="datetime1">
               <a:rPr lang="en-US" smtClean="0"/>
-              <a:t>7/30/2021</a:t>
+              <a:t>8/1/2021</a:t>
             </a:fld>
             <a:endParaRPr lang="en-US" dirty="0"/>
           </a:p>
@@ -2006,7 +2006,7 @@
           <a:p>
             <a:fld id="{D9DF0F1C-5577-4ACB-BB62-DF8F3C494C7E}" type="datetime1">
               <a:rPr lang="en-US" smtClean="0"/>
-              <a:t>7/30/2021</a:t>
+              <a:t>8/1/2021</a:t>
             </a:fld>
             <a:endParaRPr lang="en-US" dirty="0"/>
           </a:p>
@@ -2142,7 +2142,7 @@
           <a:p>
             <a:fld id="{1775B394-D9F9-4F0C-B15D-605F45CB9E9F}" type="datetime1">
               <a:rPr lang="en-US" smtClean="0"/>
-              <a:t>7/30/2021</a:t>
+              <a:t>8/1/2021</a:t>
             </a:fld>
             <a:endParaRPr lang="en-US" dirty="0"/>
           </a:p>
@@ -2299,7 +2299,7 @@
           <a:p>
             <a:fld id="{39667345-2558-425A-8533-9BFDBCE15005}" type="datetime1">
               <a:rPr lang="en-US" smtClean="0"/>
-              <a:t>7/30/2021</a:t>
+              <a:t>8/1/2021</a:t>
             </a:fld>
             <a:endParaRPr lang="en-US" dirty="0"/>
           </a:p>
@@ -2628,7 +2628,7 @@
           <a:p>
             <a:fld id="{92BEA474-078D-4E9B-9B14-09A87B19DC46}" type="datetime1">
               <a:rPr lang="en-US" smtClean="0"/>
-              <a:t>7/30/2021</a:t>
+              <a:t>8/1/2021</a:t>
             </a:fld>
             <a:endParaRPr lang="en-US" dirty="0"/>
           </a:p>
@@ -2978,7 +2978,7 @@
           <a:p>
             <a:fld id="{4907D986-8816-4272-A432-0437A28A9828}" type="datetime1">
               <a:rPr lang="en-US" smtClean="0"/>
-              <a:t>7/30/2021</a:t>
+              <a:t>8/1/2021</a:t>
             </a:fld>
             <a:endParaRPr lang="en-US" dirty="0"/>
           </a:p>
@@ -3239,7 +3239,7 @@
           <a:p>
             <a:fld id="{62D6E202-B606-4609-B914-27C9371A1F6D}" type="datetime1">
               <a:rPr lang="en-US" smtClean="0"/>
-              <a:t>7/30/2021</a:t>
+              <a:t>8/1/2021</a:t>
             </a:fld>
             <a:endParaRPr lang="en-US" dirty="0"/>
           </a:p>
@@ -4678,18 +4678,18 @@
         </p:nvSpPr>
         <p:spPr>
           <a:xfrm>
-            <a:off x="8141110" y="639098"/>
-            <a:ext cx="3401961" cy="3494790"/>
+            <a:off x="8695718" y="2800727"/>
+            <a:ext cx="3401961" cy="1549612"/>
           </a:xfrm>
         </p:spPr>
         <p:txBody>
           <a:bodyPr vert="horz" lIns="91440" tIns="45720" rIns="91440" bIns="45720" rtlCol="0" anchor="b">
-            <a:normAutofit/>
+            <a:normAutofit fontScale="90000"/>
           </a:bodyPr>
           <a:lstStyle/>
           <a:p>
             <a:r>
-              <a:rPr lang="en-US" sz="5400">
+              <a:rPr lang="en-US" sz="5400" dirty="0">
                 <a:solidFill>
                   <a:schemeClr val="tx1">
                     <a:lumMod val="85000"/>
@@ -4702,54 +4702,6 @@
           </a:p>
         </p:txBody>
       </p:sp>
-      <p:pic>
-        <p:nvPicPr>
-          <p:cNvPr id="1026" name="Picture 2">
-            <a:extLst>
-              <a:ext uri="{FF2B5EF4-FFF2-40B4-BE49-F238E27FC236}">
-                <a16:creationId xmlns:a16="http://schemas.microsoft.com/office/drawing/2014/main" id="{B2E325B4-8AD0-4D5A-A7FA-1F2906D05EDE}"/>
-              </a:ext>
-            </a:extLst>
-          </p:cNvPr>
-          <p:cNvPicPr>
-            <a:picLocks noGrp="1" noChangeAspect="1" noChangeArrowheads="1"/>
-          </p:cNvPicPr>
-          <p:nvPr>
-            <p:ph idx="1"/>
-          </p:nvPr>
-        </p:nvPicPr>
-        <p:blipFill>
-          <a:blip r:embed="rId2">
-            <a:extLst>
-              <a:ext uri="{28A0092B-C50C-407E-A947-70E740481C1C}">
-                <a14:useLocalDpi xmlns:a14="http://schemas.microsoft.com/office/drawing/2010/main" val="0"/>
-              </a:ext>
-            </a:extLst>
-          </a:blip>
-          <a:stretch>
-            <a:fillRect/>
-          </a:stretch>
-        </p:blipFill>
-        <p:spPr bwMode="auto">
-          <a:xfrm>
-            <a:off x="720670" y="640081"/>
-            <a:ext cx="6738874" cy="5054156"/>
-          </a:xfrm>
-          <a:prstGeom prst="rect">
-            <a:avLst/>
-          </a:prstGeom>
-          <a:noFill/>
-          <a:extLst>
-            <a:ext uri="{909E8E84-426E-40DD-AFC4-6F175D3DCCD1}">
-              <a14:hiddenFill xmlns:a14="http://schemas.microsoft.com/office/drawing/2010/main">
-                <a:solidFill>
-                  <a:srgbClr val="FFFFFF"/>
-                </a:solidFill>
-              </a14:hiddenFill>
-            </a:ext>
-          </a:extLst>
-        </p:spPr>
-      </p:pic>
       <p:cxnSp>
         <p:nvCxnSpPr>
           <p:cNvPr id="77" name="Straight Connector 76">
@@ -4860,6 +4812,36 @@
           </a:fontRef>
         </p:style>
       </p:sp>
+      <p:pic>
+        <p:nvPicPr>
+          <p:cNvPr id="5" name="Picture 4">
+            <a:extLst>
+              <a:ext uri="{FF2B5EF4-FFF2-40B4-BE49-F238E27FC236}">
+                <a16:creationId xmlns:a16="http://schemas.microsoft.com/office/drawing/2014/main" id="{3C743DA3-A98E-43FE-A578-0C7970C5B00A}"/>
+              </a:ext>
+            </a:extLst>
+          </p:cNvPr>
+          <p:cNvPicPr>
+            <a:picLocks noChangeAspect="1"/>
+          </p:cNvPicPr>
+          <p:nvPr/>
+        </p:nvPicPr>
+        <p:blipFill>
+          <a:blip r:embed="rId2"/>
+          <a:stretch>
+            <a:fillRect/>
+          </a:stretch>
+        </p:blipFill>
+        <p:spPr>
+          <a:xfrm>
+            <a:off x="222162" y="65261"/>
+            <a:ext cx="8473556" cy="6159446"/>
+          </a:xfrm>
+          <a:prstGeom prst="rect">
+            <a:avLst/>
+          </a:prstGeom>
+        </p:spPr>
+      </p:pic>
     </p:spTree>
     <p:extLst>
       <p:ext uri="{BB962C8B-B14F-4D97-AF65-F5344CB8AC3E}">

--- a/Project Presentation.pptx
+++ b/Project Presentation.pptx
@@ -363,7 +363,7 @@
           <a:p>
             <a:fld id="{9184DA70-C731-4C70-880D-CCD4705E623C}" type="datetime1">
               <a:rPr lang="en-US" smtClean="0"/>
-              <a:t>8/1/2021</a:t>
+              <a:t>8/3/2021</a:t>
             </a:fld>
             <a:endParaRPr lang="en-US" dirty="0"/>
           </a:p>
@@ -551,7 +551,7 @@
           <a:p>
             <a:fld id="{B612A279-0833-481D-8C56-F67FD0AC6C50}" type="datetime1">
               <a:rPr lang="en-US" smtClean="0"/>
-              <a:t>8/1/2021</a:t>
+              <a:t>8/3/2021</a:t>
             </a:fld>
             <a:endParaRPr lang="en-US" dirty="0"/>
           </a:p>
@@ -793,7 +793,7 @@
           <a:p>
             <a:fld id="{6587DA83-5663-4C9C-B9AA-0B40A3DAFF81}" type="datetime1">
               <a:rPr lang="en-US" smtClean="0"/>
-              <a:t>8/1/2021</a:t>
+              <a:t>8/3/2021</a:t>
             </a:fld>
             <a:endParaRPr lang="en-US" dirty="0"/>
           </a:p>
@@ -981,7 +981,7 @@
           <a:p>
             <a:fld id="{4BE1D723-8F53-4F53-90B0-1982A396982E}" type="datetime1">
               <a:rPr lang="en-US" smtClean="0"/>
-              <a:t>8/1/2021</a:t>
+              <a:t>8/3/2021</a:t>
             </a:fld>
             <a:endParaRPr lang="en-US" dirty="0"/>
           </a:p>
@@ -1354,7 +1354,7 @@
           <a:p>
             <a:fld id="{97669AF7-7BEB-44E4-9852-375E34362B5B}" type="datetime1">
               <a:rPr lang="en-US" smtClean="0"/>
-              <a:t>8/1/2021</a:t>
+              <a:t>8/3/2021</a:t>
             </a:fld>
             <a:endParaRPr lang="en-US" dirty="0"/>
           </a:p>
@@ -1609,7 +1609,7 @@
           <a:p>
             <a:fld id="{BAAAC38D-0552-4C82-B593-E6124DFADBE2}" type="datetime1">
               <a:rPr lang="en-US" smtClean="0"/>
-              <a:t>8/1/2021</a:t>
+              <a:t>8/3/2021</a:t>
             </a:fld>
             <a:endParaRPr lang="en-US" dirty="0"/>
           </a:p>
@@ -2006,7 +2006,7 @@
           <a:p>
             <a:fld id="{D9DF0F1C-5577-4ACB-BB62-DF8F3C494C7E}" type="datetime1">
               <a:rPr lang="en-US" smtClean="0"/>
-              <a:t>8/1/2021</a:t>
+              <a:t>8/3/2021</a:t>
             </a:fld>
             <a:endParaRPr lang="en-US" dirty="0"/>
           </a:p>
@@ -2142,7 +2142,7 @@
           <a:p>
             <a:fld id="{1775B394-D9F9-4F0C-B15D-605F45CB9E9F}" type="datetime1">
               <a:rPr lang="en-US" smtClean="0"/>
-              <a:t>8/1/2021</a:t>
+              <a:t>8/3/2021</a:t>
             </a:fld>
             <a:endParaRPr lang="en-US" dirty="0"/>
           </a:p>
@@ -2299,7 +2299,7 @@
           <a:p>
             <a:fld id="{39667345-2558-425A-8533-9BFDBCE15005}" type="datetime1">
               <a:rPr lang="en-US" smtClean="0"/>
-              <a:t>8/1/2021</a:t>
+              <a:t>8/3/2021</a:t>
             </a:fld>
             <a:endParaRPr lang="en-US" dirty="0"/>
           </a:p>
@@ -2628,7 +2628,7 @@
           <a:p>
             <a:fld id="{92BEA474-078D-4E9B-9B14-09A87B19DC46}" type="datetime1">
               <a:rPr lang="en-US" smtClean="0"/>
-              <a:t>8/1/2021</a:t>
+              <a:t>8/3/2021</a:t>
             </a:fld>
             <a:endParaRPr lang="en-US" dirty="0"/>
           </a:p>
@@ -2978,7 +2978,7 @@
           <a:p>
             <a:fld id="{4907D986-8816-4272-A432-0437A28A9828}" type="datetime1">
               <a:rPr lang="en-US" smtClean="0"/>
-              <a:t>8/1/2021</a:t>
+              <a:t>8/3/2021</a:t>
             </a:fld>
             <a:endParaRPr lang="en-US" dirty="0"/>
           </a:p>
@@ -3239,7 +3239,7 @@
           <a:p>
             <a:fld id="{62D6E202-B606-4609-B914-27C9371A1F6D}" type="datetime1">
               <a:rPr lang="en-US" smtClean="0"/>
-              <a:t>8/1/2021</a:t>
+              <a:t>8/3/2021</a:t>
             </a:fld>
             <a:endParaRPr lang="en-US" dirty="0"/>
           </a:p>
@@ -4814,10 +4814,10 @@
       </p:sp>
       <p:pic>
         <p:nvPicPr>
-          <p:cNvPr id="5" name="Picture 4">
-            <a:extLst>
-              <a:ext uri="{FF2B5EF4-FFF2-40B4-BE49-F238E27FC236}">
-                <a16:creationId xmlns:a16="http://schemas.microsoft.com/office/drawing/2014/main" id="{3C743DA3-A98E-43FE-A578-0C7970C5B00A}"/>
+          <p:cNvPr id="4" name="Picture 3">
+            <a:extLst>
+              <a:ext uri="{FF2B5EF4-FFF2-40B4-BE49-F238E27FC236}">
+                <a16:creationId xmlns:a16="http://schemas.microsoft.com/office/drawing/2014/main" id="{2CBE47BD-363E-4B68-B65A-B8EF96407E49}"/>
               </a:ext>
             </a:extLst>
           </p:cNvPr>
@@ -4834,8 +4834,8 @@
         </p:blipFill>
         <p:spPr>
           <a:xfrm>
-            <a:off x="222162" y="65261"/>
-            <a:ext cx="8473556" cy="6159446"/>
+            <a:off x="344807" y="102793"/>
+            <a:ext cx="8006105" cy="6031773"/>
           </a:xfrm>
           <a:prstGeom prst="rect">
             <a:avLst/>
@@ -5204,10 +5204,10 @@
       </p:sp>
       <p:pic>
         <p:nvPicPr>
-          <p:cNvPr id="8" name="Picture 7">
-            <a:extLst>
-              <a:ext uri="{FF2B5EF4-FFF2-40B4-BE49-F238E27FC236}">
-                <a16:creationId xmlns:a16="http://schemas.microsoft.com/office/drawing/2014/main" id="{8917D2DF-9C2F-4D38-839E-0D5CA5C383CC}"/>
+          <p:cNvPr id="3" name="Picture 2">
+            <a:extLst>
+              <a:ext uri="{FF2B5EF4-FFF2-40B4-BE49-F238E27FC236}">
+                <a16:creationId xmlns:a16="http://schemas.microsoft.com/office/drawing/2014/main" id="{10E77AC4-CCF3-411A-BD5D-DD067C33C80C}"/>
               </a:ext>
             </a:extLst>
           </p:cNvPr>
@@ -5224,8 +5224,8 @@
         </p:blipFill>
         <p:spPr>
           <a:xfrm>
-            <a:off x="1255646" y="429119"/>
-            <a:ext cx="6658904" cy="5334744"/>
+            <a:off x="648929" y="185063"/>
+            <a:ext cx="7183507" cy="5923361"/>
           </a:xfrm>
           <a:prstGeom prst="rect">
             <a:avLst/>
